--- a/docs/forum/PACTA-Plataforma-para-la-Automatizacion-y-Control-de-Contratos-Empresariales.pptx
+++ b/docs/forum/PACTA-Plataforma-para-la-Automatizacion-y-Control-de-Contratos-Empresariales.pptx
@@ -2485,7 +2485,29 @@
                 <a:ea typeface="Montserrat Bold" pitchFamily="34" charset="-122"/>
                 <a:cs typeface="Montserrat Bold" pitchFamily="34" charset="-120"/>
               </a:rPr>
-              <a:t>PACTA: Plataforma para la Automatización y Control de Contratos Empresariales</a:t>
+              <a:t>PACTA: </a:t>
+            </a:r>
+            <a:r>
+              <a:rPr lang="en-US" sz="4400" b="1" dirty="0" err="1">
+                <a:solidFill>
+                  <a:srgbClr val="FFFFFF"/>
+                </a:solidFill>
+                <a:latin typeface="Montserrat Bold" pitchFamily="34" charset="0"/>
+                <a:ea typeface="Montserrat Bold" pitchFamily="34" charset="-122"/>
+                <a:cs typeface="Montserrat Bold" pitchFamily="34" charset="-120"/>
+              </a:rPr>
+              <a:t>Herramienta</a:t>
+            </a:r>
+            <a:r>
+              <a:rPr lang="en-US" sz="4400" b="1" dirty="0">
+                <a:solidFill>
+                  <a:srgbClr val="FFFFFF"/>
+                </a:solidFill>
+                <a:latin typeface="Montserrat Bold" pitchFamily="34" charset="0"/>
+                <a:ea typeface="Montserrat Bold" pitchFamily="34" charset="-122"/>
+                <a:cs typeface="Montserrat Bold" pitchFamily="34" charset="-120"/>
+              </a:rPr>
+              <a:t> para la Automatización y Control de Contratos Empresariales</a:t>
             </a:r>
             <a:endParaRPr lang="en-US" sz="4400" dirty="0"/>
           </a:p>
@@ -4305,7 +4327,29 @@
                 <a:ea typeface="Montserrat Bold" pitchFamily="34" charset="-122"/>
                 <a:cs typeface="Montserrat Bold" pitchFamily="34" charset="-120"/>
               </a:rPr>
-              <a:t>Funcionalidades Clave de la Plataforma PACTA</a:t>
+              <a:t>Funcionalidades Clave de la </a:t>
+            </a:r>
+            <a:r>
+              <a:rPr lang="en-US" sz="3050" b="1" dirty="0" err="1">
+                <a:solidFill>
+                  <a:srgbClr val="FFFFFF"/>
+                </a:solidFill>
+                <a:latin typeface="Montserrat Bold" pitchFamily="34" charset="0"/>
+                <a:ea typeface="Montserrat Bold" pitchFamily="34" charset="-122"/>
+                <a:cs typeface="Montserrat Bold" pitchFamily="34" charset="-120"/>
+              </a:rPr>
+              <a:t>Herramienta</a:t>
+            </a:r>
+            <a:r>
+              <a:rPr lang="en-US" sz="3050" b="1" dirty="0">
+                <a:solidFill>
+                  <a:srgbClr val="FFFFFF"/>
+                </a:solidFill>
+                <a:latin typeface="Montserrat Bold" pitchFamily="34" charset="0"/>
+                <a:ea typeface="Montserrat Bold" pitchFamily="34" charset="-122"/>
+                <a:cs typeface="Montserrat Bold" pitchFamily="34" charset="-120"/>
+              </a:rPr>
+              <a:t> PACTA</a:t>
             </a:r>
             <a:endParaRPr lang="en-US" sz="3050" dirty="0"/>
           </a:p>
@@ -4313,7 +4357,7 @@
       </p:sp>
       <p:pic>
         <p:nvPicPr>
-          <p:cNvPr id="4" name="Image 1" descr="preencoded.png"/>
+          <p:cNvPr id="7" name="Image 2" descr="preencoded.png"/>
           <p:cNvPicPr>
             <a:picLocks noChangeAspect="1"/>
           </p:cNvPicPr>
@@ -4327,7 +4371,7 @@
         </p:blipFill>
         <p:spPr>
           <a:xfrm>
-            <a:off x="6350198" y="2661761"/>
+            <a:off x="6350197" y="3047166"/>
             <a:ext cx="863798" cy="1036677"/>
           </a:xfrm>
           <a:prstGeom prst="rect">
@@ -4337,14 +4381,14 @@
       </p:pic>
       <p:sp>
         <p:nvSpPr>
-          <p:cNvPr id="5" name="Text 1"/>
-          <p:cNvSpPr/>
-          <p:nvPr/>
-        </p:nvSpPr>
-        <p:spPr>
-          <a:xfrm>
-            <a:off x="7473077" y="2834521"/>
-            <a:ext cx="2384465" cy="245388"/>
+          <p:cNvPr id="8" name="Text 3"/>
+          <p:cNvSpPr/>
+          <p:nvPr/>
+        </p:nvSpPr>
+        <p:spPr>
+          <a:xfrm>
+            <a:off x="7473076" y="3219926"/>
+            <a:ext cx="1963341" cy="245388"/>
           </a:xfrm>
           <a:prstGeom prst="rect">
             <a:avLst/>
@@ -4371,7 +4415,7 @@
                 <a:ea typeface="Montserrat Bold" pitchFamily="34" charset="-122"/>
                 <a:cs typeface="Montserrat Bold" pitchFamily="34" charset="-120"/>
               </a:rPr>
-              <a:t>Creación automatizada</a:t>
+              <a:t>Firma electrónica</a:t>
             </a:r>
             <a:endParaRPr lang="en-US" sz="1500" dirty="0"/>
           </a:p>
@@ -4379,13 +4423,13 @@
       </p:sp>
       <p:sp>
         <p:nvSpPr>
-          <p:cNvPr id="6" name="Text 2"/>
-          <p:cNvSpPr/>
-          <p:nvPr/>
-        </p:nvSpPr>
-        <p:spPr>
-          <a:xfrm>
-            <a:off x="7473077" y="3183493"/>
+          <p:cNvPr id="9" name="Text 4"/>
+          <p:cNvSpPr/>
+          <p:nvPr/>
+        </p:nvSpPr>
+        <p:spPr>
+          <a:xfrm>
+            <a:off x="7473076" y="3568898"/>
             <a:ext cx="6293525" cy="259080"/>
           </a:xfrm>
           <a:prstGeom prst="rect">
@@ -4413,7 +4457,7 @@
                 <a:ea typeface="Source Sans Pro" pitchFamily="34" charset="-122"/>
                 <a:cs typeface="Source Sans Pro" pitchFamily="34" charset="-120"/>
               </a:rPr>
-              <a:t>Plantillas personalizables para cualquier tipo de contrato</a:t>
+              <a:t>Flujos de aprobación ágiles y seguros</a:t>
             </a:r>
             <a:endParaRPr lang="en-US" sz="1350" dirty="0"/>
           </a:p>
@@ -4421,7 +4465,7 @@
       </p:sp>
       <p:pic>
         <p:nvPicPr>
-          <p:cNvPr id="7" name="Image 2" descr="preencoded.png"/>
+          <p:cNvPr id="10" name="Image 3" descr="preencoded.png"/>
           <p:cNvPicPr>
             <a:picLocks noChangeAspect="1"/>
           </p:cNvPicPr>
@@ -4435,7 +4479,7 @@
         </p:blipFill>
         <p:spPr>
           <a:xfrm>
-            <a:off x="6350198" y="3698438"/>
+            <a:off x="6350197" y="4083844"/>
             <a:ext cx="863798" cy="1036677"/>
           </a:xfrm>
           <a:prstGeom prst="rect">
@@ -4445,14 +4489,14 @@
       </p:pic>
       <p:sp>
         <p:nvSpPr>
-          <p:cNvPr id="8" name="Text 3"/>
-          <p:cNvSpPr/>
-          <p:nvPr/>
-        </p:nvSpPr>
-        <p:spPr>
-          <a:xfrm>
-            <a:off x="7473077" y="3871198"/>
-            <a:ext cx="1963341" cy="245388"/>
+          <p:cNvPr id="11" name="Text 5"/>
+          <p:cNvSpPr/>
+          <p:nvPr/>
+        </p:nvSpPr>
+        <p:spPr>
+          <a:xfrm>
+            <a:off x="7473076" y="4256603"/>
+            <a:ext cx="2104073" cy="245388"/>
           </a:xfrm>
           <a:prstGeom prst="rect">
             <a:avLst/>
@@ -4479,7 +4523,7 @@
                 <a:ea typeface="Montserrat Bold" pitchFamily="34" charset="-122"/>
                 <a:cs typeface="Montserrat Bold" pitchFamily="34" charset="-120"/>
               </a:rPr>
-              <a:t>Firma electrónica</a:t>
+              <a:t>Gestión centralizada</a:t>
             </a:r>
             <a:endParaRPr lang="en-US" sz="1500" dirty="0"/>
           </a:p>
@@ -4487,13 +4531,13 @@
       </p:sp>
       <p:sp>
         <p:nvSpPr>
-          <p:cNvPr id="9" name="Text 4"/>
-          <p:cNvSpPr/>
-          <p:nvPr/>
-        </p:nvSpPr>
-        <p:spPr>
-          <a:xfrm>
-            <a:off x="7473077" y="4220170"/>
+          <p:cNvPr id="12" name="Text 6"/>
+          <p:cNvSpPr/>
+          <p:nvPr/>
+        </p:nvSpPr>
+        <p:spPr>
+          <a:xfrm>
+            <a:off x="7473076" y="4605576"/>
             <a:ext cx="6293525" cy="259080"/>
           </a:xfrm>
           <a:prstGeom prst="rect">
@@ -4521,7 +4565,7 @@
                 <a:ea typeface="Source Sans Pro" pitchFamily="34" charset="-122"/>
                 <a:cs typeface="Source Sans Pro" pitchFamily="34" charset="-120"/>
               </a:rPr>
-              <a:t>Flujos de aprobación ágiles y seguros</a:t>
+              <a:t>Control de documentos y versiones sin esfuerzo</a:t>
             </a:r>
             <a:endParaRPr lang="en-US" sz="1350" dirty="0"/>
           </a:p>
@@ -4529,7 +4573,7 @@
       </p:sp>
       <p:pic>
         <p:nvPicPr>
-          <p:cNvPr id="10" name="Image 3" descr="preencoded.png"/>
+          <p:cNvPr id="13" name="Image 4" descr="preencoded.png"/>
           <p:cNvPicPr>
             <a:picLocks noChangeAspect="1"/>
           </p:cNvPicPr>
@@ -4543,7 +4587,7 @@
         </p:blipFill>
         <p:spPr>
           <a:xfrm>
-            <a:off x="6350198" y="4735116"/>
+            <a:off x="6350197" y="5120521"/>
             <a:ext cx="863798" cy="1036677"/>
           </a:xfrm>
           <a:prstGeom prst="rect">
@@ -4553,14 +4597,14 @@
       </p:pic>
       <p:sp>
         <p:nvSpPr>
-          <p:cNvPr id="11" name="Text 5"/>
-          <p:cNvSpPr/>
-          <p:nvPr/>
-        </p:nvSpPr>
-        <p:spPr>
-          <a:xfrm>
-            <a:off x="7473077" y="4907875"/>
-            <a:ext cx="2104073" cy="245388"/>
+          <p:cNvPr id="14" name="Text 7"/>
+          <p:cNvSpPr/>
+          <p:nvPr/>
+        </p:nvSpPr>
+        <p:spPr>
+          <a:xfrm>
+            <a:off x="7473076" y="5293281"/>
+            <a:ext cx="1963341" cy="245388"/>
           </a:xfrm>
           <a:prstGeom prst="rect">
             <a:avLst/>
@@ -4587,7 +4631,7 @@
                 <a:ea typeface="Montserrat Bold" pitchFamily="34" charset="-122"/>
                 <a:cs typeface="Montserrat Bold" pitchFamily="34" charset="-120"/>
               </a:rPr>
-              <a:t>Gestión centralizada</a:t>
+              <a:t>Sistema de alertas</a:t>
             </a:r>
             <a:endParaRPr lang="en-US" sz="1500" dirty="0"/>
           </a:p>
@@ -4595,121 +4639,13 @@
       </p:sp>
       <p:sp>
         <p:nvSpPr>
-          <p:cNvPr id="12" name="Text 6"/>
-          <p:cNvSpPr/>
-          <p:nvPr/>
-        </p:nvSpPr>
-        <p:spPr>
-          <a:xfrm>
-            <a:off x="7473077" y="5256848"/>
-            <a:ext cx="6293525" cy="259080"/>
-          </a:xfrm>
-          <a:prstGeom prst="rect">
-            <a:avLst/>
-          </a:prstGeom>
-          <a:noFill/>
-          <a:ln/>
-        </p:spPr>
-        <p:txBody>
-          <a:bodyPr wrap="none" lIns="0" tIns="0" rIns="0" bIns="0" rtlCol="0" anchor="t"/>
-          <a:lstStyle/>
-          <a:p>
-            <a:pPr marL="0" indent="0" algn="l">
-              <a:lnSpc>
-                <a:spcPts val="2000"/>
-              </a:lnSpc>
-              <a:buNone/>
-            </a:pPr>
-            <a:r>
-              <a:rPr lang="en-US" sz="1350" dirty="0">
-                <a:solidFill>
-                  <a:srgbClr val="E2E6E9"/>
-                </a:solidFill>
-                <a:latin typeface="Source Sans Pro" pitchFamily="34" charset="0"/>
-                <a:ea typeface="Source Sans Pro" pitchFamily="34" charset="-122"/>
-                <a:cs typeface="Source Sans Pro" pitchFamily="34" charset="-120"/>
-              </a:rPr>
-              <a:t>Control de documentos y versiones sin esfuerzo</a:t>
-            </a:r>
-            <a:endParaRPr lang="en-US" sz="1350" dirty="0"/>
-          </a:p>
-        </p:txBody>
-      </p:sp>
-      <p:pic>
-        <p:nvPicPr>
-          <p:cNvPr id="13" name="Image 4" descr="preencoded.png"/>
-          <p:cNvPicPr>
-            <a:picLocks noChangeAspect="1"/>
-          </p:cNvPicPr>
-          <p:nvPr/>
-        </p:nvPicPr>
-        <p:blipFill>
-          <a:blip r:embed="rId7"/>
-          <a:stretch>
-            <a:fillRect/>
-          </a:stretch>
-        </p:blipFill>
-        <p:spPr>
-          <a:xfrm>
-            <a:off x="6350198" y="5771793"/>
-            <a:ext cx="863798" cy="1036677"/>
-          </a:xfrm>
-          <a:prstGeom prst="rect">
-            <a:avLst/>
-          </a:prstGeom>
-        </p:spPr>
-      </p:pic>
-      <p:sp>
-        <p:nvSpPr>
-          <p:cNvPr id="14" name="Text 7"/>
-          <p:cNvSpPr/>
-          <p:nvPr/>
-        </p:nvSpPr>
-        <p:spPr>
-          <a:xfrm>
-            <a:off x="7473077" y="5944553"/>
-            <a:ext cx="1963341" cy="245388"/>
-          </a:xfrm>
-          <a:prstGeom prst="rect">
-            <a:avLst/>
-          </a:prstGeom>
-          <a:noFill/>
-          <a:ln/>
-        </p:spPr>
-        <p:txBody>
-          <a:bodyPr wrap="none" lIns="0" tIns="0" rIns="0" bIns="0" rtlCol="0" anchor="t"/>
-          <a:lstStyle/>
-          <a:p>
-            <a:pPr marL="0" indent="0" algn="l">
-              <a:lnSpc>
-                <a:spcPts val="1900"/>
-              </a:lnSpc>
-              <a:buNone/>
-            </a:pPr>
-            <a:r>
-              <a:rPr lang="en-US" sz="1500" b="1" dirty="0">
-                <a:solidFill>
-                  <a:srgbClr val="E2E6E9"/>
-                </a:solidFill>
-                <a:latin typeface="Montserrat Bold" pitchFamily="34" charset="0"/>
-                <a:ea typeface="Montserrat Bold" pitchFamily="34" charset="-122"/>
-                <a:cs typeface="Montserrat Bold" pitchFamily="34" charset="-120"/>
-              </a:rPr>
-              <a:t>Sistema de alertas</a:t>
-            </a:r>
-            <a:endParaRPr lang="en-US" sz="1500" dirty="0"/>
-          </a:p>
-        </p:txBody>
-      </p:sp>
-      <p:sp>
-        <p:nvSpPr>
           <p:cNvPr id="15" name="Text 8"/>
           <p:cNvSpPr/>
           <p:nvPr/>
         </p:nvSpPr>
         <p:spPr>
           <a:xfrm>
-            <a:off x="7473077" y="6293525"/>
+            <a:off x="7473076" y="5642253"/>
             <a:ext cx="6293525" cy="259080"/>
           </a:xfrm>
           <a:prstGeom prst="rect">
